--- a/trunk/slides/sep2017/lec-template.pptx
+++ b/trunk/slides/sep2017/lec-template.pptx
@@ -106,6 +106,11 @@
       </a:defRPr>
     </a:lvl9pPr>
   </p:defaultTextStyle>
+  <p:extLst>
+    <p:ext uri="{EFAFB233-063F-42B5-8137-9DF3F51BA10A}">
+      <p15:sldGuideLst xmlns:p15="http://schemas.microsoft.com/office/powerpoint/2012/main"/>
+    </p:ext>
+  </p:extLst>
 </p:presentation>
 </file>
 
@@ -306,7 +311,7 @@
             <a:fld id="{96DFF08F-DC6B-4601-B491-B0F83F6DD2DA}" type="datetimeFigureOut">
               <a:rPr lang="en-US" dirty="0"/>
               <a:pPr/>
-              <a:t>6/26/2017</a:t>
+              <a:t>9/29/2017</a:t>
             </a:fld>
             <a:endParaRPr lang="en-US" dirty="0"/>
           </a:p>
@@ -523,7 +528,7 @@
           <a:p>
             <a:fld id="{96DFF08F-DC6B-4601-B491-B0F83F6DD2DA}" type="datetimeFigureOut">
               <a:rPr lang="en-US" dirty="0"/>
-              <a:t>6/26/2017</a:t>
+              <a:t>9/29/2017</a:t>
             </a:fld>
             <a:endParaRPr lang="en-US" dirty="0"/>
           </a:p>
@@ -698,7 +703,7 @@
           <a:p>
             <a:fld id="{96DFF08F-DC6B-4601-B491-B0F83F6DD2DA}" type="datetimeFigureOut">
               <a:rPr lang="en-US" dirty="0"/>
-              <a:t>6/26/2017</a:t>
+              <a:t>9/29/2017</a:t>
             </a:fld>
             <a:endParaRPr lang="en-US" dirty="0"/>
           </a:p>
@@ -863,7 +868,7 @@
           <a:p>
             <a:fld id="{96DFF08F-DC6B-4601-B491-B0F83F6DD2DA}" type="datetimeFigureOut">
               <a:rPr lang="en-US" dirty="0"/>
-              <a:t>6/26/2017</a:t>
+              <a:t>9/29/2017</a:t>
             </a:fld>
             <a:endParaRPr lang="en-US" dirty="0"/>
           </a:p>
@@ -1109,7 +1114,7 @@
           <a:p>
             <a:fld id="{96DFF08F-DC6B-4601-B491-B0F83F6DD2DA}" type="datetimeFigureOut">
               <a:rPr lang="en-US" dirty="0"/>
-              <a:t>6/26/2017</a:t>
+              <a:t>9/29/2017</a:t>
             </a:fld>
             <a:endParaRPr lang="en-US" dirty="0"/>
           </a:p>
@@ -1427,7 +1432,7 @@
           <a:p>
             <a:fld id="{96DFF08F-DC6B-4601-B491-B0F83F6DD2DA}" type="datetimeFigureOut">
               <a:rPr lang="en-US" dirty="0"/>
-              <a:t>6/26/2017</a:t>
+              <a:t>9/29/2017</a:t>
             </a:fld>
             <a:endParaRPr lang="en-US" dirty="0"/>
           </a:p>
@@ -1846,7 +1851,7 @@
           <a:p>
             <a:fld id="{96DFF08F-DC6B-4601-B491-B0F83F6DD2DA}" type="datetimeFigureOut">
               <a:rPr lang="en-US" dirty="0"/>
-              <a:t>6/26/2017</a:t>
+              <a:t>9/29/2017</a:t>
             </a:fld>
             <a:endParaRPr lang="en-US" dirty="0"/>
           </a:p>
@@ -1959,7 +1964,7 @@
           <a:p>
             <a:fld id="{96DFF08F-DC6B-4601-B491-B0F83F6DD2DA}" type="datetimeFigureOut">
               <a:rPr lang="en-US" dirty="0"/>
-              <a:t>6/26/2017</a:t>
+              <a:t>9/29/2017</a:t>
             </a:fld>
             <a:endParaRPr lang="en-US" dirty="0"/>
           </a:p>
@@ -2049,7 +2054,7 @@
           <a:p>
             <a:fld id="{96DFF08F-DC6B-4601-B491-B0F83F6DD2DA}" type="datetimeFigureOut">
               <a:rPr lang="en-US" dirty="0"/>
-              <a:t>6/26/2017</a:t>
+              <a:t>9/29/2017</a:t>
             </a:fld>
             <a:endParaRPr lang="en-US" dirty="0"/>
           </a:p>
@@ -2334,7 +2339,7 @@
           <a:p>
             <a:fld id="{96DFF08F-DC6B-4601-B491-B0F83F6DD2DA}" type="datetimeFigureOut">
               <a:rPr lang="en-US" dirty="0"/>
-              <a:t>6/26/2017</a:t>
+              <a:t>9/29/2017</a:t>
             </a:fld>
             <a:endParaRPr lang="en-US" dirty="0"/>
           </a:p>
@@ -2601,7 +2606,7 @@
           <a:p>
             <a:fld id="{96DFF08F-DC6B-4601-B491-B0F83F6DD2DA}" type="datetimeFigureOut">
               <a:rPr lang="en-US" dirty="0"/>
-              <a:t>6/26/2017</a:t>
+              <a:t>9/29/2017</a:t>
             </a:fld>
             <a:endParaRPr lang="en-US" dirty="0"/>
           </a:p>
@@ -2850,7 +2855,7 @@
             <a:fld id="{96DFF08F-DC6B-4601-B491-B0F83F6DD2DA}" type="datetimeFigureOut">
               <a:rPr lang="en-US" dirty="0"/>
               <a:pPr/>
-              <a:t>6/26/2017</a:t>
+              <a:t>9/29/2017</a:t>
             </a:fld>
             <a:endParaRPr lang="en-US" dirty="0"/>
           </a:p>
@@ -3676,13 +3681,8 @@
             </a:pPr>
             <a:r>
               <a:rPr lang="ru-RU" sz="4800" smtClean="0"/>
-              <a:t> </a:t>
-            </a:r>
-            <a:r>
-              <a:rPr lang="ru-RU" sz="4800" smtClean="0"/>
-              <a:t>А</a:t>
-            </a:r>
-            <a:endParaRPr lang="ru-RU" sz="4800" smtClean="0"/>
+              <a:t> А</a:t>
+            </a:r>
           </a:p>
           <a:p>
             <a:pPr>
@@ -3694,13 +3694,8 @@
             </a:pPr>
             <a:r>
               <a:rPr lang="ru-RU" sz="4800" smtClean="0"/>
-              <a:t> </a:t>
-            </a:r>
-            <a:r>
-              <a:rPr lang="ru-RU" sz="4800" smtClean="0"/>
-              <a:t>Б</a:t>
-            </a:r>
-            <a:endParaRPr lang="ru-RU" sz="4800" smtClean="0"/>
+              <a:t> Б</a:t>
+            </a:r>
           </a:p>
           <a:p>
             <a:pPr>
@@ -3712,11 +3707,7 @@
             </a:pPr>
             <a:r>
               <a:rPr lang="ru-RU" sz="4800" smtClean="0"/>
-              <a:t> </a:t>
-            </a:r>
-            <a:r>
-              <a:rPr lang="ru-RU" sz="4800" smtClean="0"/>
-              <a:t>В</a:t>
+              <a:t> В</a:t>
             </a:r>
             <a:endParaRPr lang="en-US" sz="4800" smtClean="0"/>
           </a:p>
@@ -3736,7 +3727,6 @@
               <a:rPr lang="ru-RU" sz="4800" smtClean="0"/>
               <a:t>Г</a:t>
             </a:r>
-            <a:endParaRPr lang="ru-RU" sz="4800" smtClean="0"/>
           </a:p>
         </p:txBody>
       </p:sp>
@@ -3811,14 +3801,27 @@
             <a:pPr lvl="0"/>
             <a:r>
               <a:rPr lang="en-US" dirty="0"/>
-              <a:t>ISO/IEC, "Information technology -- Programming languages – C++", ISO/IEC 14882:2014, 2014</a:t>
-            </a:r>
+              <a:t>ISO/IEC, "Information technology -- Programming languages – C++", </a:t>
+            </a:r>
+            <a:r>
+              <a:rPr lang="en-US"/>
+              <a:t>ISO/IEC </a:t>
+            </a:r>
+            <a:r>
+              <a:rPr lang="en-US" smtClean="0"/>
+              <a:t>14882:2017, 2017</a:t>
+            </a:r>
+            <a:endParaRPr lang="en-US" dirty="0"/>
           </a:p>
           <a:p>
             <a:pPr lvl="0"/>
             <a:r>
+              <a:rPr lang="en-US"/>
+              <a:t>Bjarne Stroustrup, The </a:t>
+            </a:r>
+            <a:r>
               <a:rPr lang="en-US" dirty="0"/>
-              <a:t>The C++ Programming Language (4th </a:t>
+              <a:t>C++ Programming Language (4th </a:t>
             </a:r>
             <a:r>
               <a:rPr lang="en-US"/>

--- a/trunk/slides/sep2017/lec-template.pptx
+++ b/trunk/slides/sep2017/lec-template.pptx
@@ -311,7 +311,7 @@
             <a:fld id="{96DFF08F-DC6B-4601-B491-B0F83F6DD2DA}" type="datetimeFigureOut">
               <a:rPr lang="en-US" dirty="0"/>
               <a:pPr/>
-              <a:t>9/29/2017</a:t>
+              <a:t>2/27/2018</a:t>
             </a:fld>
             <a:endParaRPr lang="en-US" dirty="0"/>
           </a:p>
@@ -528,7 +528,7 @@
           <a:p>
             <a:fld id="{96DFF08F-DC6B-4601-B491-B0F83F6DD2DA}" type="datetimeFigureOut">
               <a:rPr lang="en-US" dirty="0"/>
-              <a:t>9/29/2017</a:t>
+              <a:t>2/27/2018</a:t>
             </a:fld>
             <a:endParaRPr lang="en-US" dirty="0"/>
           </a:p>
@@ -703,7 +703,7 @@
           <a:p>
             <a:fld id="{96DFF08F-DC6B-4601-B491-B0F83F6DD2DA}" type="datetimeFigureOut">
               <a:rPr lang="en-US" dirty="0"/>
-              <a:t>9/29/2017</a:t>
+              <a:t>2/27/2018</a:t>
             </a:fld>
             <a:endParaRPr lang="en-US" dirty="0"/>
           </a:p>
@@ -868,7 +868,7 @@
           <a:p>
             <a:fld id="{96DFF08F-DC6B-4601-B491-B0F83F6DD2DA}" type="datetimeFigureOut">
               <a:rPr lang="en-US" dirty="0"/>
-              <a:t>9/29/2017</a:t>
+              <a:t>2/27/2018</a:t>
             </a:fld>
             <a:endParaRPr lang="en-US" dirty="0"/>
           </a:p>
@@ -1114,7 +1114,7 @@
           <a:p>
             <a:fld id="{96DFF08F-DC6B-4601-B491-B0F83F6DD2DA}" type="datetimeFigureOut">
               <a:rPr lang="en-US" dirty="0"/>
-              <a:t>9/29/2017</a:t>
+              <a:t>2/27/2018</a:t>
             </a:fld>
             <a:endParaRPr lang="en-US" dirty="0"/>
           </a:p>
@@ -1432,7 +1432,7 @@
           <a:p>
             <a:fld id="{96DFF08F-DC6B-4601-B491-B0F83F6DD2DA}" type="datetimeFigureOut">
               <a:rPr lang="en-US" dirty="0"/>
-              <a:t>9/29/2017</a:t>
+              <a:t>2/27/2018</a:t>
             </a:fld>
             <a:endParaRPr lang="en-US" dirty="0"/>
           </a:p>
@@ -1851,7 +1851,7 @@
           <a:p>
             <a:fld id="{96DFF08F-DC6B-4601-B491-B0F83F6DD2DA}" type="datetimeFigureOut">
               <a:rPr lang="en-US" dirty="0"/>
-              <a:t>9/29/2017</a:t>
+              <a:t>2/27/2018</a:t>
             </a:fld>
             <a:endParaRPr lang="en-US" dirty="0"/>
           </a:p>
@@ -1964,7 +1964,7 @@
           <a:p>
             <a:fld id="{96DFF08F-DC6B-4601-B491-B0F83F6DD2DA}" type="datetimeFigureOut">
               <a:rPr lang="en-US" dirty="0"/>
-              <a:t>9/29/2017</a:t>
+              <a:t>2/27/2018</a:t>
             </a:fld>
             <a:endParaRPr lang="en-US" dirty="0"/>
           </a:p>
@@ -2054,7 +2054,7 @@
           <a:p>
             <a:fld id="{96DFF08F-DC6B-4601-B491-B0F83F6DD2DA}" type="datetimeFigureOut">
               <a:rPr lang="en-US" dirty="0"/>
-              <a:t>9/29/2017</a:t>
+              <a:t>2/27/2018</a:t>
             </a:fld>
             <a:endParaRPr lang="en-US" dirty="0"/>
           </a:p>
@@ -2339,7 +2339,7 @@
           <a:p>
             <a:fld id="{96DFF08F-DC6B-4601-B491-B0F83F6DD2DA}" type="datetimeFigureOut">
               <a:rPr lang="en-US" dirty="0"/>
-              <a:t>9/29/2017</a:t>
+              <a:t>2/27/2018</a:t>
             </a:fld>
             <a:endParaRPr lang="en-US" dirty="0"/>
           </a:p>
@@ -2606,7 +2606,7 @@
           <a:p>
             <a:fld id="{96DFF08F-DC6B-4601-B491-B0F83F6DD2DA}" type="datetimeFigureOut">
               <a:rPr lang="en-US" dirty="0"/>
-              <a:t>9/29/2017</a:t>
+              <a:t>2/27/2018</a:t>
             </a:fld>
             <a:endParaRPr lang="en-US" dirty="0"/>
           </a:p>
@@ -2855,7 +2855,7 @@
             <a:fld id="{96DFF08F-DC6B-4601-B491-B0F83F6DD2DA}" type="datetimeFigureOut">
               <a:rPr lang="en-US" dirty="0"/>
               <a:pPr/>
-              <a:t>9/29/2017</a:t>
+              <a:t>2/27/2018</a:t>
             </a:fld>
             <a:endParaRPr lang="en-US" dirty="0"/>
           </a:p>
@@ -3350,276 +3350,338 @@
           </a:p>
         </p:txBody>
       </p:sp>
-      <p:sp>
-        <p:nvSpPr>
-          <p:cNvPr id="4" name="Subtitle 2"/>
-          <p:cNvSpPr txBox="1">
-            <a:spLocks/>
-          </p:cNvSpPr>
-          <p:nvPr/>
-        </p:nvSpPr>
-        <p:spPr>
-          <a:xfrm>
-            <a:off x="3380095" y="5832390"/>
-            <a:ext cx="8564770" cy="783281"/>
-          </a:xfrm>
-          <a:prstGeom prst="rect">
-            <a:avLst/>
-          </a:prstGeom>
-        </p:spPr>
-        <p:txBody>
-          <a:bodyPr vert="horz" lIns="91440" tIns="45720" rIns="91440" bIns="45720" rtlCol="0">
-            <a:normAutofit/>
-          </a:bodyPr>
-          <a:lstStyle>
-            <a:lvl1pPr marL="0" indent="0" algn="ctr" defTabSz="914400" rtl="0" eaLnBrk="1" latinLnBrk="0" hangingPunct="1">
-              <a:lnSpc>
-                <a:spcPct val="90000"/>
-              </a:lnSpc>
-              <a:spcBef>
-                <a:spcPts val="1400"/>
-              </a:spcBef>
-              <a:buClr>
-                <a:schemeClr val="tx1"/>
-              </a:buClr>
-              <a:buSzPct val="80000"/>
-              <a:buFont typeface="Corbel" pitchFamily="34" charset="0"/>
-              <a:buNone/>
-              <a:defRPr sz="2200" kern="1200">
-                <a:solidFill>
-                  <a:schemeClr val="tx1"/>
-                </a:solidFill>
-                <a:latin typeface="+mn-lt"/>
-                <a:ea typeface="+mn-ea"/>
-                <a:cs typeface="+mn-cs"/>
-              </a:defRPr>
-            </a:lvl1pPr>
-            <a:lvl2pPr marL="457200" indent="0" algn="ctr" defTabSz="914400" rtl="0" eaLnBrk="1" latinLnBrk="0" hangingPunct="1">
-              <a:lnSpc>
-                <a:spcPct val="90000"/>
-              </a:lnSpc>
-              <a:spcBef>
-                <a:spcPts val="200"/>
-              </a:spcBef>
-              <a:spcAft>
-                <a:spcPts val="400"/>
-              </a:spcAft>
-              <a:buClr>
-                <a:schemeClr val="tx1"/>
-              </a:buClr>
-              <a:buSzPct val="80000"/>
-              <a:buFont typeface="Corbel" pitchFamily="34" charset="0"/>
-              <a:buNone/>
-              <a:defRPr sz="2200" kern="1200">
-                <a:solidFill>
-                  <a:schemeClr val="tx1"/>
-                </a:solidFill>
-                <a:latin typeface="+mn-lt"/>
-                <a:ea typeface="+mn-ea"/>
-                <a:cs typeface="+mn-cs"/>
-              </a:defRPr>
-            </a:lvl2pPr>
-            <a:lvl3pPr marL="914400" indent="0" algn="ctr" defTabSz="914400" rtl="0" eaLnBrk="1" latinLnBrk="0" hangingPunct="1">
-              <a:lnSpc>
-                <a:spcPct val="90000"/>
-              </a:lnSpc>
-              <a:spcBef>
-                <a:spcPts val="200"/>
-              </a:spcBef>
-              <a:spcAft>
-                <a:spcPts val="400"/>
-              </a:spcAft>
-              <a:buClr>
-                <a:schemeClr val="tx1"/>
-              </a:buClr>
-              <a:buSzPct val="80000"/>
-              <a:buFont typeface="Corbel" pitchFamily="34" charset="0"/>
-              <a:buNone/>
-              <a:defRPr sz="2200" kern="1200">
-                <a:solidFill>
-                  <a:schemeClr val="tx1"/>
-                </a:solidFill>
-                <a:latin typeface="+mn-lt"/>
-                <a:ea typeface="+mn-ea"/>
-                <a:cs typeface="+mn-cs"/>
-              </a:defRPr>
-            </a:lvl3pPr>
-            <a:lvl4pPr marL="1371600" indent="0" algn="ctr" defTabSz="914400" rtl="0" eaLnBrk="1" latinLnBrk="0" hangingPunct="1">
-              <a:lnSpc>
-                <a:spcPct val="90000"/>
-              </a:lnSpc>
-              <a:spcBef>
-                <a:spcPts val="200"/>
-              </a:spcBef>
-              <a:spcAft>
-                <a:spcPts val="400"/>
-              </a:spcAft>
-              <a:buClr>
-                <a:schemeClr val="tx1"/>
-              </a:buClr>
-              <a:buSzPct val="80000"/>
-              <a:buFont typeface="Corbel" pitchFamily="34" charset="0"/>
-              <a:buNone/>
-              <a:defRPr sz="2000" kern="1200">
-                <a:solidFill>
-                  <a:schemeClr val="tx1"/>
-                </a:solidFill>
-                <a:latin typeface="+mn-lt"/>
-                <a:ea typeface="+mn-ea"/>
-                <a:cs typeface="+mn-cs"/>
-              </a:defRPr>
-            </a:lvl4pPr>
-            <a:lvl5pPr marL="1828800" indent="0" algn="ctr" defTabSz="914400" rtl="0" eaLnBrk="1" latinLnBrk="0" hangingPunct="1">
-              <a:lnSpc>
-                <a:spcPct val="90000"/>
-              </a:lnSpc>
-              <a:spcBef>
-                <a:spcPts val="200"/>
-              </a:spcBef>
-              <a:spcAft>
-                <a:spcPts val="400"/>
-              </a:spcAft>
-              <a:buClr>
-                <a:schemeClr val="tx1"/>
-              </a:buClr>
-              <a:buSzPct val="80000"/>
-              <a:buFont typeface="Corbel" pitchFamily="34" charset="0"/>
-              <a:buNone/>
-              <a:defRPr sz="2000" kern="1200">
-                <a:solidFill>
-                  <a:schemeClr val="tx1"/>
-                </a:solidFill>
-                <a:latin typeface="+mn-lt"/>
-                <a:ea typeface="+mn-ea"/>
-                <a:cs typeface="+mn-cs"/>
-              </a:defRPr>
-            </a:lvl5pPr>
-            <a:lvl6pPr marL="2286000" indent="0" algn="ctr" defTabSz="914400" rtl="0" eaLnBrk="1" latinLnBrk="0" hangingPunct="1">
-              <a:lnSpc>
-                <a:spcPct val="90000"/>
-              </a:lnSpc>
-              <a:spcBef>
-                <a:spcPts val="200"/>
-              </a:spcBef>
-              <a:spcAft>
-                <a:spcPts val="400"/>
-              </a:spcAft>
-              <a:buClr>
-                <a:schemeClr val="tx1"/>
-              </a:buClr>
-              <a:buSzPct val="80000"/>
-              <a:buFont typeface="Corbel" pitchFamily="34" charset="0"/>
-              <a:buNone/>
-              <a:defRPr sz="2000" kern="1200">
-                <a:solidFill>
-                  <a:schemeClr val="tx1"/>
-                </a:solidFill>
-                <a:latin typeface="+mn-lt"/>
-                <a:ea typeface="+mn-ea"/>
-                <a:cs typeface="+mn-cs"/>
-              </a:defRPr>
-            </a:lvl6pPr>
-            <a:lvl7pPr marL="2743200" indent="0" algn="ctr" defTabSz="914400" rtl="0" eaLnBrk="1" latinLnBrk="0" hangingPunct="1">
-              <a:lnSpc>
-                <a:spcPct val="90000"/>
-              </a:lnSpc>
-              <a:spcBef>
-                <a:spcPts val="200"/>
-              </a:spcBef>
-              <a:spcAft>
-                <a:spcPts val="400"/>
-              </a:spcAft>
-              <a:buClr>
-                <a:schemeClr val="tx1"/>
-              </a:buClr>
-              <a:buSzPct val="80000"/>
-              <a:buFont typeface="Corbel" pitchFamily="34" charset="0"/>
-              <a:buNone/>
-              <a:defRPr sz="2000" kern="1200">
-                <a:solidFill>
-                  <a:schemeClr val="tx1"/>
-                </a:solidFill>
-                <a:latin typeface="+mn-lt"/>
-                <a:ea typeface="+mn-ea"/>
-                <a:cs typeface="+mn-cs"/>
-              </a:defRPr>
-            </a:lvl7pPr>
-            <a:lvl8pPr marL="3200400" indent="0" algn="ctr" defTabSz="914400" rtl="0" eaLnBrk="1" latinLnBrk="0" hangingPunct="1">
-              <a:lnSpc>
-                <a:spcPct val="90000"/>
-              </a:lnSpc>
-              <a:spcBef>
-                <a:spcPts val="200"/>
-              </a:spcBef>
-              <a:spcAft>
-                <a:spcPts val="400"/>
-              </a:spcAft>
-              <a:buClr>
-                <a:schemeClr val="tx1"/>
-              </a:buClr>
-              <a:buSzPct val="80000"/>
-              <a:buFont typeface="Corbel" pitchFamily="34" charset="0"/>
-              <a:buNone/>
-              <a:defRPr sz="2000" kern="1200">
-                <a:solidFill>
-                  <a:schemeClr val="tx1"/>
-                </a:solidFill>
-                <a:latin typeface="+mn-lt"/>
-                <a:ea typeface="+mn-ea"/>
-                <a:cs typeface="+mn-cs"/>
-              </a:defRPr>
-            </a:lvl8pPr>
-            <a:lvl9pPr marL="3657600" indent="0" algn="ctr" defTabSz="914400" rtl="0" eaLnBrk="1" latinLnBrk="0" hangingPunct="1">
-              <a:lnSpc>
-                <a:spcPct val="90000"/>
-              </a:lnSpc>
-              <a:spcBef>
-                <a:spcPts val="200"/>
-              </a:spcBef>
-              <a:spcAft>
-                <a:spcPts val="400"/>
-              </a:spcAft>
-              <a:buClr>
-                <a:schemeClr val="tx1"/>
-              </a:buClr>
-              <a:buSzPct val="80000"/>
-              <a:buFont typeface="Corbel" pitchFamily="34" charset="0"/>
-              <a:buNone/>
-              <a:defRPr sz="2000" kern="1200">
-                <a:solidFill>
-                  <a:schemeClr val="tx1"/>
-                </a:solidFill>
-                <a:latin typeface="+mn-lt"/>
-                <a:ea typeface="+mn-ea"/>
-                <a:cs typeface="+mn-cs"/>
-              </a:defRPr>
-            </a:lvl9pPr>
-          </a:lstStyle>
-          <a:p>
-            <a:pPr algn="r">
-              <a:lnSpc>
-                <a:spcPct val="110000"/>
-              </a:lnSpc>
-            </a:pPr>
-            <a:r>
-              <a:rPr lang="ru-RU" sz="1800" smtClean="0"/>
-              <a:t>К. Владимиров, </a:t>
-            </a:r>
-            <a:r>
-              <a:rPr lang="en-US" sz="1800" smtClean="0"/>
-              <a:t>Intel, 2017</a:t>
-            </a:r>
-            <a:br>
-              <a:rPr lang="en-US" sz="1800" smtClean="0"/>
-            </a:br>
-            <a:r>
-              <a:rPr lang="en-US" sz="1800" smtClean="0"/>
-              <a:t>mail-to: konstantin.vladimirov@gmail.com</a:t>
-            </a:r>
-            <a:endParaRPr lang="en-US" sz="1800"/>
-          </a:p>
-        </p:txBody>
-      </p:sp>
+      <mc:AlternateContent xmlns:mc="http://schemas.openxmlformats.org/markup-compatibility/2006">
+        <mc:Choice xmlns:a14="http://schemas.microsoft.com/office/drawing/2010/main" Requires="a14">
+          <p:sp>
+            <p:nvSpPr>
+              <p:cNvPr id="4" name="Subtitle 2"/>
+              <p:cNvSpPr txBox="1">
+                <a:spLocks/>
+              </p:cNvSpPr>
+              <p:nvPr/>
+            </p:nvSpPr>
+            <p:spPr>
+              <a:xfrm>
+                <a:off x="3380095" y="5832390"/>
+                <a:ext cx="8564770" cy="783281"/>
+              </a:xfrm>
+              <a:prstGeom prst="rect">
+                <a:avLst/>
+              </a:prstGeom>
+            </p:spPr>
+            <p:txBody>
+              <a:bodyPr vert="horz" lIns="91440" tIns="45720" rIns="91440" bIns="45720" rtlCol="0">
+                <a:normAutofit/>
+              </a:bodyPr>
+              <a:lstStyle>
+                <a:lvl1pPr marL="0" indent="0" algn="ctr" defTabSz="914400" rtl="0" eaLnBrk="1" latinLnBrk="0" hangingPunct="1">
+                  <a:lnSpc>
+                    <a:spcPct val="90000"/>
+                  </a:lnSpc>
+                  <a:spcBef>
+                    <a:spcPts val="1400"/>
+                  </a:spcBef>
+                  <a:buClr>
+                    <a:schemeClr val="tx1"/>
+                  </a:buClr>
+                  <a:buSzPct val="80000"/>
+                  <a:buFont typeface="Corbel" pitchFamily="34" charset="0"/>
+                  <a:buNone/>
+                  <a:defRPr sz="2200" kern="1200">
+                    <a:solidFill>
+                      <a:schemeClr val="tx1"/>
+                    </a:solidFill>
+                    <a:latin typeface="+mn-lt"/>
+                    <a:ea typeface="+mn-ea"/>
+                    <a:cs typeface="+mn-cs"/>
+                  </a:defRPr>
+                </a:lvl1pPr>
+                <a:lvl2pPr marL="457200" indent="0" algn="ctr" defTabSz="914400" rtl="0" eaLnBrk="1" latinLnBrk="0" hangingPunct="1">
+                  <a:lnSpc>
+                    <a:spcPct val="90000"/>
+                  </a:lnSpc>
+                  <a:spcBef>
+                    <a:spcPts val="200"/>
+                  </a:spcBef>
+                  <a:spcAft>
+                    <a:spcPts val="400"/>
+                  </a:spcAft>
+                  <a:buClr>
+                    <a:schemeClr val="tx1"/>
+                  </a:buClr>
+                  <a:buSzPct val="80000"/>
+                  <a:buFont typeface="Corbel" pitchFamily="34" charset="0"/>
+                  <a:buNone/>
+                  <a:defRPr sz="2200" kern="1200">
+                    <a:solidFill>
+                      <a:schemeClr val="tx1"/>
+                    </a:solidFill>
+                    <a:latin typeface="+mn-lt"/>
+                    <a:ea typeface="+mn-ea"/>
+                    <a:cs typeface="+mn-cs"/>
+                  </a:defRPr>
+                </a:lvl2pPr>
+                <a:lvl3pPr marL="914400" indent="0" algn="ctr" defTabSz="914400" rtl="0" eaLnBrk="1" latinLnBrk="0" hangingPunct="1">
+                  <a:lnSpc>
+                    <a:spcPct val="90000"/>
+                  </a:lnSpc>
+                  <a:spcBef>
+                    <a:spcPts val="200"/>
+                  </a:spcBef>
+                  <a:spcAft>
+                    <a:spcPts val="400"/>
+                  </a:spcAft>
+                  <a:buClr>
+                    <a:schemeClr val="tx1"/>
+                  </a:buClr>
+                  <a:buSzPct val="80000"/>
+                  <a:buFont typeface="Corbel" pitchFamily="34" charset="0"/>
+                  <a:buNone/>
+                  <a:defRPr sz="2200" kern="1200">
+                    <a:solidFill>
+                      <a:schemeClr val="tx1"/>
+                    </a:solidFill>
+                    <a:latin typeface="+mn-lt"/>
+                    <a:ea typeface="+mn-ea"/>
+                    <a:cs typeface="+mn-cs"/>
+                  </a:defRPr>
+                </a:lvl3pPr>
+                <a:lvl4pPr marL="1371600" indent="0" algn="ctr" defTabSz="914400" rtl="0" eaLnBrk="1" latinLnBrk="0" hangingPunct="1">
+                  <a:lnSpc>
+                    <a:spcPct val="90000"/>
+                  </a:lnSpc>
+                  <a:spcBef>
+                    <a:spcPts val="200"/>
+                  </a:spcBef>
+                  <a:spcAft>
+                    <a:spcPts val="400"/>
+                  </a:spcAft>
+                  <a:buClr>
+                    <a:schemeClr val="tx1"/>
+                  </a:buClr>
+                  <a:buSzPct val="80000"/>
+                  <a:buFont typeface="Corbel" pitchFamily="34" charset="0"/>
+                  <a:buNone/>
+                  <a:defRPr sz="2000" kern="1200">
+                    <a:solidFill>
+                      <a:schemeClr val="tx1"/>
+                    </a:solidFill>
+                    <a:latin typeface="+mn-lt"/>
+                    <a:ea typeface="+mn-ea"/>
+                    <a:cs typeface="+mn-cs"/>
+                  </a:defRPr>
+                </a:lvl4pPr>
+                <a:lvl5pPr marL="1828800" indent="0" algn="ctr" defTabSz="914400" rtl="0" eaLnBrk="1" latinLnBrk="0" hangingPunct="1">
+                  <a:lnSpc>
+                    <a:spcPct val="90000"/>
+                  </a:lnSpc>
+                  <a:spcBef>
+                    <a:spcPts val="200"/>
+                  </a:spcBef>
+                  <a:spcAft>
+                    <a:spcPts val="400"/>
+                  </a:spcAft>
+                  <a:buClr>
+                    <a:schemeClr val="tx1"/>
+                  </a:buClr>
+                  <a:buSzPct val="80000"/>
+                  <a:buFont typeface="Corbel" pitchFamily="34" charset="0"/>
+                  <a:buNone/>
+                  <a:defRPr sz="2000" kern="1200">
+                    <a:solidFill>
+                      <a:schemeClr val="tx1"/>
+                    </a:solidFill>
+                    <a:latin typeface="+mn-lt"/>
+                    <a:ea typeface="+mn-ea"/>
+                    <a:cs typeface="+mn-cs"/>
+                  </a:defRPr>
+                </a:lvl5pPr>
+                <a:lvl6pPr marL="2286000" indent="0" algn="ctr" defTabSz="914400" rtl="0" eaLnBrk="1" latinLnBrk="0" hangingPunct="1">
+                  <a:lnSpc>
+                    <a:spcPct val="90000"/>
+                  </a:lnSpc>
+                  <a:spcBef>
+                    <a:spcPts val="200"/>
+                  </a:spcBef>
+                  <a:spcAft>
+                    <a:spcPts val="400"/>
+                  </a:spcAft>
+                  <a:buClr>
+                    <a:schemeClr val="tx1"/>
+                  </a:buClr>
+                  <a:buSzPct val="80000"/>
+                  <a:buFont typeface="Corbel" pitchFamily="34" charset="0"/>
+                  <a:buNone/>
+                  <a:defRPr sz="2000" kern="1200">
+                    <a:solidFill>
+                      <a:schemeClr val="tx1"/>
+                    </a:solidFill>
+                    <a:latin typeface="+mn-lt"/>
+                    <a:ea typeface="+mn-ea"/>
+                    <a:cs typeface="+mn-cs"/>
+                  </a:defRPr>
+                </a:lvl6pPr>
+                <a:lvl7pPr marL="2743200" indent="0" algn="ctr" defTabSz="914400" rtl="0" eaLnBrk="1" latinLnBrk="0" hangingPunct="1">
+                  <a:lnSpc>
+                    <a:spcPct val="90000"/>
+                  </a:lnSpc>
+                  <a:spcBef>
+                    <a:spcPts val="200"/>
+                  </a:spcBef>
+                  <a:spcAft>
+                    <a:spcPts val="400"/>
+                  </a:spcAft>
+                  <a:buClr>
+                    <a:schemeClr val="tx1"/>
+                  </a:buClr>
+                  <a:buSzPct val="80000"/>
+                  <a:buFont typeface="Corbel" pitchFamily="34" charset="0"/>
+                  <a:buNone/>
+                  <a:defRPr sz="2000" kern="1200">
+                    <a:solidFill>
+                      <a:schemeClr val="tx1"/>
+                    </a:solidFill>
+                    <a:latin typeface="+mn-lt"/>
+                    <a:ea typeface="+mn-ea"/>
+                    <a:cs typeface="+mn-cs"/>
+                  </a:defRPr>
+                </a:lvl7pPr>
+                <a:lvl8pPr marL="3200400" indent="0" algn="ctr" defTabSz="914400" rtl="0" eaLnBrk="1" latinLnBrk="0" hangingPunct="1">
+                  <a:lnSpc>
+                    <a:spcPct val="90000"/>
+                  </a:lnSpc>
+                  <a:spcBef>
+                    <a:spcPts val="200"/>
+                  </a:spcBef>
+                  <a:spcAft>
+                    <a:spcPts val="400"/>
+                  </a:spcAft>
+                  <a:buClr>
+                    <a:schemeClr val="tx1"/>
+                  </a:buClr>
+                  <a:buSzPct val="80000"/>
+                  <a:buFont typeface="Corbel" pitchFamily="34" charset="0"/>
+                  <a:buNone/>
+                  <a:defRPr sz="2000" kern="1200">
+                    <a:solidFill>
+                      <a:schemeClr val="tx1"/>
+                    </a:solidFill>
+                    <a:latin typeface="+mn-lt"/>
+                    <a:ea typeface="+mn-ea"/>
+                    <a:cs typeface="+mn-cs"/>
+                  </a:defRPr>
+                </a:lvl8pPr>
+                <a:lvl9pPr marL="3657600" indent="0" algn="ctr" defTabSz="914400" rtl="0" eaLnBrk="1" latinLnBrk="0" hangingPunct="1">
+                  <a:lnSpc>
+                    <a:spcPct val="90000"/>
+                  </a:lnSpc>
+                  <a:spcBef>
+                    <a:spcPts val="200"/>
+                  </a:spcBef>
+                  <a:spcAft>
+                    <a:spcPts val="400"/>
+                  </a:spcAft>
+                  <a:buClr>
+                    <a:schemeClr val="tx1"/>
+                  </a:buClr>
+                  <a:buSzPct val="80000"/>
+                  <a:buFont typeface="Corbel" pitchFamily="34" charset="0"/>
+                  <a:buNone/>
+                  <a:defRPr sz="2000" kern="1200">
+                    <a:solidFill>
+                      <a:schemeClr val="tx1"/>
+                    </a:solidFill>
+                    <a:latin typeface="+mn-lt"/>
+                    <a:ea typeface="+mn-ea"/>
+                    <a:cs typeface="+mn-cs"/>
+                  </a:defRPr>
+                </a:lvl9pPr>
+              </a:lstStyle>
+              <a:p>
+                <a:pPr algn="r">
+                  <a:lnSpc>
+                    <a:spcPct val="110000"/>
+                  </a:lnSpc>
+                </a:pPr>
+                <a:r>
+                  <a:rPr lang="ru-RU" sz="1800" smtClean="0"/>
+                  <a:t>К. Владимиров, </a:t>
+                </a:r>
+                <a:r>
+                  <a:rPr lang="en-US" sz="1800" smtClean="0"/>
+                  <a:t>Intel, </a:t>
+                </a:r>
+                <a14:m>
+                  <m:oMath xmlns:m="http://schemas.openxmlformats.org/officeDocument/2006/math">
+                    <m:r>
+                      <a:rPr lang="en-US" sz="1800" i="1" smtClean="0">
+                        <a:latin typeface="Cambria Math" panose="02040503050406030204" pitchFamily="18" charset="0"/>
+                      </a:rPr>
+                      <m:t>201</m:t>
+                    </m:r>
+                    <m:r>
+                      <a:rPr lang="ru-RU" sz="1800" i="1" smtClean="0">
+                        <a:latin typeface="Cambria Math" panose="02040503050406030204" pitchFamily="18" charset="0"/>
+                      </a:rPr>
+                      <m:t>8</m:t>
+                    </m:r>
+                  </m:oMath>
+                </a14:m>
+                <a:r>
+                  <a:rPr lang="en-US" sz="1800" smtClean="0"/>
+                  <a:t/>
+                </a:r>
+                <a:br>
+                  <a:rPr lang="en-US" sz="1800" smtClean="0"/>
+                </a:br>
+                <a:r>
+                  <a:rPr lang="en-US" sz="1800" smtClean="0"/>
+                  <a:t>mail-to: konstantin.vladimirov@gmail.com</a:t>
+                </a:r>
+                <a:endParaRPr lang="en-US" sz="1800"/>
+              </a:p>
+            </p:txBody>
+          </p:sp>
+        </mc:Choice>
+        <mc:Fallback>
+          <p:sp>
+            <p:nvSpPr>
+              <p:cNvPr id="4" name="Subtitle 2"/>
+              <p:cNvSpPr txBox="1">
+                <a:spLocks noRot="1" noChangeAspect="1" noMove="1" noResize="1" noEditPoints="1" noAdjustHandles="1" noChangeArrowheads="1" noChangeShapeType="1" noTextEdit="1"/>
+              </p:cNvSpPr>
+              <p:nvPr/>
+            </p:nvSpPr>
+            <p:spPr>
+              <a:xfrm>
+                <a:off x="3380095" y="5832390"/>
+                <a:ext cx="8564770" cy="783281"/>
+              </a:xfrm>
+              <a:prstGeom prst="rect">
+                <a:avLst/>
+              </a:prstGeom>
+              <a:blipFill rotWithShape="0">
+                <a:blip r:embed="rId2"/>
+                <a:stretch>
+                  <a:fillRect t="-3125" r="-641"/>
+                </a:stretch>
+              </a:blipFill>
+            </p:spPr>
+            <p:txBody>
+              <a:bodyPr/>
+              <a:lstStyle/>
+              <a:p>
+                <a:r>
+                  <a:rPr lang="en-US">
+                    <a:noFill/>
+                  </a:rPr>
+                  <a:t> </a:t>
+                </a:r>
+              </a:p>
+            </p:txBody>
+          </p:sp>
+        </mc:Fallback>
+      </mc:AlternateContent>
     </p:spTree>
     <p:extLst>
       <p:ext uri="{BB962C8B-B14F-4D97-AF65-F5344CB8AC3E}">
@@ -3783,58 +3845,101 @@
           </a:p>
         </p:txBody>
       </p:sp>
-      <p:sp>
-        <p:nvSpPr>
-          <p:cNvPr id="3" name="Content Placeholder 2"/>
-          <p:cNvSpPr>
-            <a:spLocks noGrp="1"/>
-          </p:cNvSpPr>
-          <p:nvPr>
-            <p:ph idx="1"/>
-          </p:nvPr>
-        </p:nvSpPr>
-        <p:spPr/>
-        <p:txBody>
-          <a:bodyPr/>
-          <a:lstStyle/>
-          <a:p>
-            <a:pPr lvl="0"/>
-            <a:r>
-              <a:rPr lang="en-US" dirty="0"/>
-              <a:t>ISO/IEC, "Information technology -- Programming languages – C++", </a:t>
-            </a:r>
-            <a:r>
-              <a:rPr lang="en-US"/>
-              <a:t>ISO/IEC </a:t>
-            </a:r>
-            <a:r>
-              <a:rPr lang="en-US" smtClean="0"/>
-              <a:t>14882:2017, 2017</a:t>
-            </a:r>
-            <a:endParaRPr lang="en-US" dirty="0"/>
-          </a:p>
-          <a:p>
-            <a:pPr lvl="0"/>
-            <a:r>
-              <a:rPr lang="en-US"/>
-              <a:t>Bjarne Stroustrup, The </a:t>
-            </a:r>
-            <a:r>
-              <a:rPr lang="en-US" dirty="0"/>
-              <a:t>C++ Programming Language (4th </a:t>
-            </a:r>
-            <a:r>
-              <a:rPr lang="en-US"/>
-              <a:t>Edition</a:t>
-            </a:r>
-            <a:r>
-              <a:rPr lang="en-US" smtClean="0"/>
-              <a:t>)</a:t>
-            </a:r>
-            <a:endParaRPr lang="en-US" dirty="0"/>
-          </a:p>
-        </p:txBody>
-      </p:sp>
+      <mc:AlternateContent xmlns:mc="http://schemas.openxmlformats.org/markup-compatibility/2006">
+        <mc:Choice xmlns:a14="http://schemas.microsoft.com/office/drawing/2010/main" Requires="a14">
+          <p:sp>
+            <p:nvSpPr>
+              <p:cNvPr id="3" name="Content Placeholder 2"/>
+              <p:cNvSpPr>
+                <a:spLocks noGrp="1"/>
+              </p:cNvSpPr>
+              <p:nvPr>
+                <p:ph idx="1"/>
+              </p:nvPr>
+            </p:nvSpPr>
+            <p:spPr/>
+            <p:txBody>
+              <a:bodyPr/>
+              <a:lstStyle/>
+              <a:p>
+                <a:pPr lvl="0"/>
+                <a:r>
+                  <a:rPr lang="en-US" dirty="0"/>
+                  <a:t>ISO/IEC, "Information technology -- Programming languages – C++", </a:t>
+                </a:r>
+                <a:r>
+                  <a:rPr lang="en-US"/>
+                  <a:t>ISO/IEC </a:t>
+                </a:r>
+                <a14:m>
+                  <m:oMath xmlns:m="http://schemas.openxmlformats.org/officeDocument/2006/math">
+                    <m:r>
+                      <a:rPr lang="en-US" i="1" smtClean="0">
+                        <a:latin typeface="Cambria Math" panose="02040503050406030204" pitchFamily="18" charset="0"/>
+                      </a:rPr>
+                      <m:t>14882:2017</m:t>
+                    </m:r>
+                  </m:oMath>
+                </a14:m>
+                <a:endParaRPr lang="en-US" dirty="0"/>
+              </a:p>
+              <a:p>
+                <a:pPr lvl="0"/>
+                <a:r>
+                  <a:rPr lang="en-US"/>
+                  <a:t>Bjarne Stroustrup, The </a:t>
+                </a:r>
+                <a:r>
+                  <a:rPr lang="en-US" dirty="0"/>
+                  <a:t>C++ Programming Language (4th </a:t>
+                </a:r>
+                <a:r>
+                  <a:rPr lang="en-US"/>
+                  <a:t>Edition</a:t>
+                </a:r>
+                <a:r>
+                  <a:rPr lang="en-US" smtClean="0"/>
+                  <a:t>)</a:t>
+                </a:r>
+                <a:endParaRPr lang="en-US" dirty="0"/>
+              </a:p>
+            </p:txBody>
+          </p:sp>
+        </mc:Choice>
+        <mc:Fallback>
+          <p:sp>
+            <p:nvSpPr>
+              <p:cNvPr id="3" name="Content Placeholder 2"/>
+              <p:cNvSpPr>
+                <a:spLocks noGrp="1" noRot="1" noChangeAspect="1" noMove="1" noResize="1" noEditPoints="1" noAdjustHandles="1" noChangeArrowheads="1" noChangeShapeType="1" noTextEdit="1"/>
+              </p:cNvSpPr>
+              <p:nvPr>
+                <p:ph idx="1"/>
+              </p:nvPr>
+            </p:nvSpPr>
+            <p:spPr>
+              <a:blipFill rotWithShape="0">
+                <a:blip r:embed="rId2"/>
+                <a:stretch>
+                  <a:fillRect t="-1964"/>
+                </a:stretch>
+              </a:blipFill>
+            </p:spPr>
+            <p:txBody>
+              <a:bodyPr/>
+              <a:lstStyle/>
+              <a:p>
+                <a:r>
+                  <a:rPr lang="en-US">
+                    <a:noFill/>
+                  </a:rPr>
+                  <a:t> </a:t>
+                </a:r>
+              </a:p>
+            </p:txBody>
+          </p:sp>
+        </mc:Fallback>
+      </mc:AlternateContent>
     </p:spTree>
     <p:extLst>
       <p:ext uri="{BB962C8B-B14F-4D97-AF65-F5344CB8AC3E}">

--- a/trunk/slides/sep2017/lec-template.pptx
+++ b/trunk/slides/sep2017/lec-template.pptx
@@ -311,7 +311,7 @@
             <a:fld id="{96DFF08F-DC6B-4601-B491-B0F83F6DD2DA}" type="datetimeFigureOut">
               <a:rPr lang="en-US" dirty="0"/>
               <a:pPr/>
-              <a:t>2/27/2018</a:t>
+              <a:t>4/2/2018</a:t>
             </a:fld>
             <a:endParaRPr lang="en-US" dirty="0"/>
           </a:p>
@@ -528,7 +528,7 @@
           <a:p>
             <a:fld id="{96DFF08F-DC6B-4601-B491-B0F83F6DD2DA}" type="datetimeFigureOut">
               <a:rPr lang="en-US" dirty="0"/>
-              <a:t>2/27/2018</a:t>
+              <a:t>4/2/2018</a:t>
             </a:fld>
             <a:endParaRPr lang="en-US" dirty="0"/>
           </a:p>
@@ -703,7 +703,7 @@
           <a:p>
             <a:fld id="{96DFF08F-DC6B-4601-B491-B0F83F6DD2DA}" type="datetimeFigureOut">
               <a:rPr lang="en-US" dirty="0"/>
-              <a:t>2/27/2018</a:t>
+              <a:t>4/2/2018</a:t>
             </a:fld>
             <a:endParaRPr lang="en-US" dirty="0"/>
           </a:p>
@@ -868,7 +868,7 @@
           <a:p>
             <a:fld id="{96DFF08F-DC6B-4601-B491-B0F83F6DD2DA}" type="datetimeFigureOut">
               <a:rPr lang="en-US" dirty="0"/>
-              <a:t>2/27/2018</a:t>
+              <a:t>4/2/2018</a:t>
             </a:fld>
             <a:endParaRPr lang="en-US" dirty="0"/>
           </a:p>
@@ -1114,7 +1114,7 @@
           <a:p>
             <a:fld id="{96DFF08F-DC6B-4601-B491-B0F83F6DD2DA}" type="datetimeFigureOut">
               <a:rPr lang="en-US" dirty="0"/>
-              <a:t>2/27/2018</a:t>
+              <a:t>4/2/2018</a:t>
             </a:fld>
             <a:endParaRPr lang="en-US" dirty="0"/>
           </a:p>
@@ -1432,7 +1432,7 @@
           <a:p>
             <a:fld id="{96DFF08F-DC6B-4601-B491-B0F83F6DD2DA}" type="datetimeFigureOut">
               <a:rPr lang="en-US" dirty="0"/>
-              <a:t>2/27/2018</a:t>
+              <a:t>4/2/2018</a:t>
             </a:fld>
             <a:endParaRPr lang="en-US" dirty="0"/>
           </a:p>
@@ -1851,7 +1851,7 @@
           <a:p>
             <a:fld id="{96DFF08F-DC6B-4601-B491-B0F83F6DD2DA}" type="datetimeFigureOut">
               <a:rPr lang="en-US" dirty="0"/>
-              <a:t>2/27/2018</a:t>
+              <a:t>4/2/2018</a:t>
             </a:fld>
             <a:endParaRPr lang="en-US" dirty="0"/>
           </a:p>
@@ -1964,7 +1964,7 @@
           <a:p>
             <a:fld id="{96DFF08F-DC6B-4601-B491-B0F83F6DD2DA}" type="datetimeFigureOut">
               <a:rPr lang="en-US" dirty="0"/>
-              <a:t>2/27/2018</a:t>
+              <a:t>4/2/2018</a:t>
             </a:fld>
             <a:endParaRPr lang="en-US" dirty="0"/>
           </a:p>
@@ -2054,7 +2054,7 @@
           <a:p>
             <a:fld id="{96DFF08F-DC6B-4601-B491-B0F83F6DD2DA}" type="datetimeFigureOut">
               <a:rPr lang="en-US" dirty="0"/>
-              <a:t>2/27/2018</a:t>
+              <a:t>4/2/2018</a:t>
             </a:fld>
             <a:endParaRPr lang="en-US" dirty="0"/>
           </a:p>
@@ -2339,7 +2339,7 @@
           <a:p>
             <a:fld id="{96DFF08F-DC6B-4601-B491-B0F83F6DD2DA}" type="datetimeFigureOut">
               <a:rPr lang="en-US" dirty="0"/>
-              <a:t>2/27/2018</a:t>
+              <a:t>4/2/2018</a:t>
             </a:fld>
             <a:endParaRPr lang="en-US" dirty="0"/>
           </a:p>
@@ -2606,7 +2606,7 @@
           <a:p>
             <a:fld id="{96DFF08F-DC6B-4601-B491-B0F83F6DD2DA}" type="datetimeFigureOut">
               <a:rPr lang="en-US" dirty="0"/>
-              <a:t>2/27/2018</a:t>
+              <a:t>4/2/2018</a:t>
             </a:fld>
             <a:endParaRPr lang="en-US" dirty="0"/>
           </a:p>
@@ -2855,7 +2855,7 @@
             <a:fld id="{96DFF08F-DC6B-4601-B491-B0F83F6DD2DA}" type="datetimeFigureOut">
               <a:rPr lang="en-US" dirty="0"/>
               <a:pPr/>
-              <a:t>2/27/2018</a:t>
+              <a:t>4/2/2018</a:t>
             </a:fld>
             <a:endParaRPr lang="en-US" dirty="0"/>
           </a:p>
@@ -3350,8 +3350,8 @@
           </a:p>
         </p:txBody>
       </p:sp>
-      <mc:AlternateContent xmlns:mc="http://schemas.openxmlformats.org/markup-compatibility/2006">
-        <mc:Choice xmlns:a14="http://schemas.microsoft.com/office/drawing/2010/main" Requires="a14">
+      <mc:AlternateContent xmlns:mc="http://schemas.openxmlformats.org/markup-compatibility/2006" xmlns:a14="http://schemas.microsoft.com/office/drawing/2010/main">
+        <mc:Choice Requires="a14">
           <p:sp>
             <p:nvSpPr>
               <p:cNvPr id="4" name="Subtitle 2"/>
@@ -3643,7 +3643,7 @@
             </p:txBody>
           </p:sp>
         </mc:Choice>
-        <mc:Fallback>
+        <mc:Fallback xmlns="">
           <p:sp>
             <p:nvSpPr>
               <p:cNvPr id="4" name="Subtitle 2"/>
@@ -3891,7 +3891,21 @@
                 </a:r>
                 <a:r>
                   <a:rPr lang="en-US" dirty="0"/>
-                  <a:t>C++ Programming Language (4th </a:t>
+                  <a:t>C++ Programming Language (</a:t>
+                </a:r>
+                <a14:m>
+                  <m:oMath xmlns:m="http://schemas.openxmlformats.org/officeDocument/2006/math">
+                    <m:r>
+                      <a:rPr lang="en-US" i="1" dirty="0" smtClean="0">
+                        <a:latin typeface="Cambria Math" panose="02040503050406030204" pitchFamily="18" charset="0"/>
+                      </a:rPr>
+                      <m:t>4</m:t>
+                    </m:r>
+                  </m:oMath>
+                </a14:m>
+                <a:r>
+                  <a:rPr lang="en-US" dirty="0"/>
+                  <a:t>th </a:t>
                 </a:r>
                 <a:r>
                   <a:rPr lang="en-US"/>
